--- a/pipeline/check_mutation_position.pptx
+++ b/pipeline/check_mutation_position.pptx
@@ -9,6 +9,10 @@
     <p:sldId id="258" r:id="rId3"/>
     <p:sldId id="257" r:id="rId4"/>
     <p:sldId id="259" r:id="rId5"/>
+    <p:sldId id="260" r:id="rId6"/>
+    <p:sldId id="261" r:id="rId7"/>
+    <p:sldId id="262" r:id="rId8"/>
+    <p:sldId id="263" r:id="rId9"/>
   </p:sldIdLst>
   <p:sldSz cx="12192000" cy="6858000"/>
   <p:notesSz cx="6858000" cy="9144000"/>
@@ -107,6 +111,11 @@
       </a:defRPr>
     </a:lvl9pPr>
   </p:defaultTextStyle>
+  <p:extLst>
+    <p:ext uri="{EFAFB233-063F-42B5-8137-9DF3F51BA10A}">
+      <p15:sldGuideLst xmlns:p15="http://schemas.microsoft.com/office/powerpoint/2012/main"/>
+    </p:ext>
+  </p:extLst>
 </p:presentation>
 </file>
 
@@ -257,7 +266,7 @@
           <a:p>
             <a:fld id="{1DDD57F2-AECC-4B9B-BB34-4497AEB141E5}" type="datetimeFigureOut">
               <a:rPr lang="zh-TW" altLang="en-US" smtClean="0"/>
-              <a:t>2020/12/28</a:t>
+              <a:t>2020/12/29</a:t>
             </a:fld>
             <a:endParaRPr lang="zh-TW" altLang="en-US"/>
           </a:p>
@@ -455,7 +464,7 @@
           <a:p>
             <a:fld id="{1DDD57F2-AECC-4B9B-BB34-4497AEB141E5}" type="datetimeFigureOut">
               <a:rPr lang="zh-TW" altLang="en-US" smtClean="0"/>
-              <a:t>2020/12/28</a:t>
+              <a:t>2020/12/29</a:t>
             </a:fld>
             <a:endParaRPr lang="zh-TW" altLang="en-US"/>
           </a:p>
@@ -663,7 +672,7 @@
           <a:p>
             <a:fld id="{1DDD57F2-AECC-4B9B-BB34-4497AEB141E5}" type="datetimeFigureOut">
               <a:rPr lang="zh-TW" altLang="en-US" smtClean="0"/>
-              <a:t>2020/12/28</a:t>
+              <a:t>2020/12/29</a:t>
             </a:fld>
             <a:endParaRPr lang="zh-TW" altLang="en-US"/>
           </a:p>
@@ -861,7 +870,7 @@
           <a:p>
             <a:fld id="{1DDD57F2-AECC-4B9B-BB34-4497AEB141E5}" type="datetimeFigureOut">
               <a:rPr lang="zh-TW" altLang="en-US" smtClean="0"/>
-              <a:t>2020/12/28</a:t>
+              <a:t>2020/12/29</a:t>
             </a:fld>
             <a:endParaRPr lang="zh-TW" altLang="en-US"/>
           </a:p>
@@ -1136,7 +1145,7 @@
           <a:p>
             <a:fld id="{1DDD57F2-AECC-4B9B-BB34-4497AEB141E5}" type="datetimeFigureOut">
               <a:rPr lang="zh-TW" altLang="en-US" smtClean="0"/>
-              <a:t>2020/12/28</a:t>
+              <a:t>2020/12/29</a:t>
             </a:fld>
             <a:endParaRPr lang="zh-TW" altLang="en-US"/>
           </a:p>
@@ -1401,7 +1410,7 @@
           <a:p>
             <a:fld id="{1DDD57F2-AECC-4B9B-BB34-4497AEB141E5}" type="datetimeFigureOut">
               <a:rPr lang="zh-TW" altLang="en-US" smtClean="0"/>
-              <a:t>2020/12/28</a:t>
+              <a:t>2020/12/29</a:t>
             </a:fld>
             <a:endParaRPr lang="zh-TW" altLang="en-US"/>
           </a:p>
@@ -1813,7 +1822,7 @@
           <a:p>
             <a:fld id="{1DDD57F2-AECC-4B9B-BB34-4497AEB141E5}" type="datetimeFigureOut">
               <a:rPr lang="zh-TW" altLang="en-US" smtClean="0"/>
-              <a:t>2020/12/28</a:t>
+              <a:t>2020/12/29</a:t>
             </a:fld>
             <a:endParaRPr lang="zh-TW" altLang="en-US"/>
           </a:p>
@@ -1954,7 +1963,7 @@
           <a:p>
             <a:fld id="{1DDD57F2-AECC-4B9B-BB34-4497AEB141E5}" type="datetimeFigureOut">
               <a:rPr lang="zh-TW" altLang="en-US" smtClean="0"/>
-              <a:t>2020/12/28</a:t>
+              <a:t>2020/12/29</a:t>
             </a:fld>
             <a:endParaRPr lang="zh-TW" altLang="en-US"/>
           </a:p>
@@ -2067,7 +2076,7 @@
           <a:p>
             <a:fld id="{1DDD57F2-AECC-4B9B-BB34-4497AEB141E5}" type="datetimeFigureOut">
               <a:rPr lang="zh-TW" altLang="en-US" smtClean="0"/>
-              <a:t>2020/12/28</a:t>
+              <a:t>2020/12/29</a:t>
             </a:fld>
             <a:endParaRPr lang="zh-TW" altLang="en-US"/>
           </a:p>
@@ -2378,7 +2387,7 @@
           <a:p>
             <a:fld id="{1DDD57F2-AECC-4B9B-BB34-4497AEB141E5}" type="datetimeFigureOut">
               <a:rPr lang="zh-TW" altLang="en-US" smtClean="0"/>
-              <a:t>2020/12/28</a:t>
+              <a:t>2020/12/29</a:t>
             </a:fld>
             <a:endParaRPr lang="zh-TW" altLang="en-US"/>
           </a:p>
@@ -2666,7 +2675,7 @@
           <a:p>
             <a:fld id="{1DDD57F2-AECC-4B9B-BB34-4497AEB141E5}" type="datetimeFigureOut">
               <a:rPr lang="zh-TW" altLang="en-US" smtClean="0"/>
-              <a:t>2020/12/28</a:t>
+              <a:t>2020/12/29</a:t>
             </a:fld>
             <a:endParaRPr lang="zh-TW" altLang="en-US"/>
           </a:p>
@@ -2907,7 +2916,7 @@
           <a:p>
             <a:fld id="{1DDD57F2-AECC-4B9B-BB34-4497AEB141E5}" type="datetimeFigureOut">
               <a:rPr lang="zh-TW" altLang="en-US" smtClean="0"/>
-              <a:t>2020/12/28</a:t>
+              <a:t>2020/12/29</a:t>
             </a:fld>
             <a:endParaRPr lang="zh-TW" altLang="en-US"/>
           </a:p>
@@ -6011,6 +6020,482 @@
 </p:sld>
 </file>
 
+<file path=ppt/slides/slide5.xml><?xml version="1.0" encoding="utf-8"?>
+<p:sld xmlns:a="http://schemas.openxmlformats.org/drawingml/2006/main" xmlns:r="http://schemas.openxmlformats.org/officeDocument/2006/relationships" xmlns:p="http://schemas.openxmlformats.org/presentationml/2006/main">
+  <p:cSld>
+    <p:spTree>
+      <p:nvGrpSpPr>
+        <p:cNvPr id="1" name=""/>
+        <p:cNvGrpSpPr/>
+        <p:nvPr/>
+      </p:nvGrpSpPr>
+      <p:grpSpPr>
+        <a:xfrm>
+          <a:off x="0" y="0"/>
+          <a:ext cx="0" cy="0"/>
+          <a:chOff x="0" y="0"/>
+          <a:chExt cx="0" cy="0"/>
+        </a:xfrm>
+      </p:grpSpPr>
+      <p:sp>
+        <p:nvSpPr>
+          <p:cNvPr id="2" name="標題 1">
+            <a:extLst>
+              <a:ext uri="{FF2B5EF4-FFF2-40B4-BE49-F238E27FC236}">
+                <a16:creationId xmlns:a16="http://schemas.microsoft.com/office/drawing/2014/main" id="{BF7FDBAD-D626-456A-B83C-10710BF9CB30}"/>
+              </a:ext>
+            </a:extLst>
+          </p:cNvPr>
+          <p:cNvSpPr>
+            <a:spLocks noGrp="1"/>
+          </p:cNvSpPr>
+          <p:nvPr>
+            <p:ph type="title"/>
+          </p:nvPr>
+        </p:nvSpPr>
+        <p:spPr/>
+        <p:txBody>
+          <a:bodyPr/>
+          <a:lstStyle/>
+          <a:p>
+            <a:r>
+              <a:rPr lang="en-US" altLang="zh-TW" dirty="0"/>
+              <a:t>dictionary</a:t>
+            </a:r>
+            <a:endParaRPr lang="zh-TW" altLang="en-US" dirty="0"/>
+          </a:p>
+        </p:txBody>
+      </p:sp>
+      <p:pic>
+        <p:nvPicPr>
+          <p:cNvPr id="1026" name="Picture 2" descr="书籍书柜库- Pixabay上的免费照片">
+            <a:extLst>
+              <a:ext uri="{FF2B5EF4-FFF2-40B4-BE49-F238E27FC236}">
+                <a16:creationId xmlns:a16="http://schemas.microsoft.com/office/drawing/2014/main" id="{90F41430-09BC-4F77-B3C6-962943BB0EC5}"/>
+              </a:ext>
+            </a:extLst>
+          </p:cNvPr>
+          <p:cNvPicPr>
+            <a:picLocks noChangeAspect="1" noChangeArrowheads="1"/>
+          </p:cNvPicPr>
+          <p:nvPr/>
+        </p:nvPicPr>
+        <p:blipFill>
+          <a:blip r:embed="rId2">
+            <a:extLst>
+              <a:ext uri="{28A0092B-C50C-407E-A947-70E740481C1C}">
+                <a14:useLocalDpi xmlns:a14="http://schemas.microsoft.com/office/drawing/2010/main" val="0"/>
+              </a:ext>
+            </a:extLst>
+          </a:blip>
+          <a:srcRect/>
+          <a:stretch>
+            <a:fillRect/>
+          </a:stretch>
+        </p:blipFill>
+        <p:spPr bwMode="auto">
+          <a:xfrm>
+            <a:off x="251901" y="1813301"/>
+            <a:ext cx="7233780" cy="4820288"/>
+          </a:xfrm>
+          <a:prstGeom prst="rect">
+            <a:avLst/>
+          </a:prstGeom>
+          <a:noFill/>
+          <a:extLst>
+            <a:ext uri="{909E8E84-426E-40DD-AFC4-6F175D3DCCD1}">
+              <a14:hiddenFill xmlns:a14="http://schemas.microsoft.com/office/drawing/2010/main">
+                <a:solidFill>
+                  <a:srgbClr val="FFFFFF"/>
+                </a:solidFill>
+              </a14:hiddenFill>
+            </a:ext>
+          </a:extLst>
+        </p:spPr>
+      </p:pic>
+      <p:pic>
+        <p:nvPicPr>
+          <p:cNvPr id="1028" name="Picture 4" descr="免费照片： 收藏, 书架, 书柜, 图书馆, 结构, 家具, 旧">
+            <a:extLst>
+              <a:ext uri="{FF2B5EF4-FFF2-40B4-BE49-F238E27FC236}">
+                <a16:creationId xmlns:a16="http://schemas.microsoft.com/office/drawing/2014/main" id="{78482209-8FCC-47C2-864B-0FFC2869D4C8}"/>
+              </a:ext>
+            </a:extLst>
+          </p:cNvPr>
+          <p:cNvPicPr>
+            <a:picLocks noChangeAspect="1" noChangeArrowheads="1"/>
+          </p:cNvPicPr>
+          <p:nvPr/>
+        </p:nvPicPr>
+        <p:blipFill>
+          <a:blip r:embed="rId3">
+            <a:extLst>
+              <a:ext uri="{28A0092B-C50C-407E-A947-70E740481C1C}">
+                <a14:useLocalDpi xmlns:a14="http://schemas.microsoft.com/office/drawing/2010/main" val="0"/>
+              </a:ext>
+            </a:extLst>
+          </a:blip>
+          <a:srcRect/>
+          <a:stretch>
+            <a:fillRect/>
+          </a:stretch>
+        </p:blipFill>
+        <p:spPr bwMode="auto">
+          <a:xfrm>
+            <a:off x="3873929" y="1813301"/>
+            <a:ext cx="6637149" cy="4424766"/>
+          </a:xfrm>
+          <a:prstGeom prst="rect">
+            <a:avLst/>
+          </a:prstGeom>
+          <a:noFill/>
+          <a:extLst>
+            <a:ext uri="{909E8E84-426E-40DD-AFC4-6F175D3DCCD1}">
+              <a14:hiddenFill xmlns:a14="http://schemas.microsoft.com/office/drawing/2010/main">
+                <a:solidFill>
+                  <a:srgbClr val="FFFFFF"/>
+                </a:solidFill>
+              </a14:hiddenFill>
+            </a:ext>
+          </a:extLst>
+        </p:spPr>
+      </p:pic>
+    </p:spTree>
+    <p:extLst>
+      <p:ext uri="{BB962C8B-B14F-4D97-AF65-F5344CB8AC3E}">
+        <p14:creationId xmlns:p14="http://schemas.microsoft.com/office/powerpoint/2010/main" val="3622024393"/>
+      </p:ext>
+    </p:extLst>
+  </p:cSld>
+  <p:clrMapOvr>
+    <a:masterClrMapping/>
+  </p:clrMapOvr>
+  <p:timing>
+    <p:tnLst>
+      <p:par>
+        <p:cTn id="1" dur="indefinite" restart="never" nodeType="tmRoot">
+          <p:childTnLst>
+            <p:seq concurrent="1" nextAc="seek">
+              <p:cTn id="2" dur="indefinite" nodeType="mainSeq">
+                <p:childTnLst>
+                  <p:par>
+                    <p:cTn id="3" fill="hold">
+                      <p:stCondLst>
+                        <p:cond delay="indefinite"/>
+                      </p:stCondLst>
+                      <p:childTnLst>
+                        <p:par>
+                          <p:cTn id="4" fill="hold">
+                            <p:stCondLst>
+                              <p:cond delay="0"/>
+                            </p:stCondLst>
+                            <p:childTnLst>
+                              <p:par>
+                                <p:cTn id="5" presetID="22" presetClass="entr" presetSubtype="2" fill="hold" nodeType="clickEffect">
+                                  <p:stCondLst>
+                                    <p:cond delay="0"/>
+                                  </p:stCondLst>
+                                  <p:childTnLst>
+                                    <p:set>
+                                      <p:cBhvr>
+                                        <p:cTn id="6" dur="1" fill="hold">
+                                          <p:stCondLst>
+                                            <p:cond delay="0"/>
+                                          </p:stCondLst>
+                                        </p:cTn>
+                                        <p:tgtEl>
+                                          <p:spTgt spid="1028"/>
+                                        </p:tgtEl>
+                                        <p:attrNameLst>
+                                          <p:attrName>style.visibility</p:attrName>
+                                        </p:attrNameLst>
+                                      </p:cBhvr>
+                                      <p:to>
+                                        <p:strVal val="visible"/>
+                                      </p:to>
+                                    </p:set>
+                                    <p:animEffect transition="in" filter="wipe(right)">
+                                      <p:cBhvr>
+                                        <p:cTn id="7" dur="500"/>
+                                        <p:tgtEl>
+                                          <p:spTgt spid="1028"/>
+                                        </p:tgtEl>
+                                      </p:cBhvr>
+                                    </p:animEffect>
+                                  </p:childTnLst>
+                                </p:cTn>
+                              </p:par>
+                            </p:childTnLst>
+                          </p:cTn>
+                        </p:par>
+                      </p:childTnLst>
+                    </p:cTn>
+                  </p:par>
+                </p:childTnLst>
+              </p:cTn>
+              <p:prevCondLst>
+                <p:cond evt="onPrev" delay="0">
+                  <p:tgtEl>
+                    <p:sldTgt/>
+                  </p:tgtEl>
+                </p:cond>
+              </p:prevCondLst>
+              <p:nextCondLst>
+                <p:cond evt="onNext" delay="0">
+                  <p:tgtEl>
+                    <p:sldTgt/>
+                  </p:tgtEl>
+                </p:cond>
+              </p:nextCondLst>
+            </p:seq>
+          </p:childTnLst>
+        </p:cTn>
+      </p:par>
+    </p:tnLst>
+  </p:timing>
+</p:sld>
+</file>
+
+<file path=ppt/slides/slide6.xml><?xml version="1.0" encoding="utf-8"?>
+<p:sld xmlns:a="http://schemas.openxmlformats.org/drawingml/2006/main" xmlns:r="http://schemas.openxmlformats.org/officeDocument/2006/relationships" xmlns:p="http://schemas.openxmlformats.org/presentationml/2006/main">
+  <p:cSld>
+    <p:spTree>
+      <p:nvGrpSpPr>
+        <p:cNvPr id="1" name=""/>
+        <p:cNvGrpSpPr/>
+        <p:nvPr/>
+      </p:nvGrpSpPr>
+      <p:grpSpPr>
+        <a:xfrm>
+          <a:off x="0" y="0"/>
+          <a:ext cx="0" cy="0"/>
+          <a:chOff x="0" y="0"/>
+          <a:chExt cx="0" cy="0"/>
+        </a:xfrm>
+      </p:grpSpPr>
+      <p:sp>
+        <p:nvSpPr>
+          <p:cNvPr id="2" name="標題 1">
+            <a:extLst>
+              <a:ext uri="{FF2B5EF4-FFF2-40B4-BE49-F238E27FC236}">
+                <a16:creationId xmlns:a16="http://schemas.microsoft.com/office/drawing/2014/main" id="{5C19FA3F-1D48-4DB4-8601-C937F24922D5}"/>
+              </a:ext>
+            </a:extLst>
+          </p:cNvPr>
+          <p:cNvSpPr>
+            <a:spLocks noGrp="1"/>
+          </p:cNvSpPr>
+          <p:nvPr>
+            <p:ph type="title"/>
+          </p:nvPr>
+        </p:nvSpPr>
+        <p:spPr/>
+        <p:txBody>
+          <a:bodyPr/>
+          <a:lstStyle/>
+          <a:p>
+            <a:endParaRPr lang="zh-TW" altLang="en-US" dirty="0"/>
+          </a:p>
+        </p:txBody>
+      </p:sp>
+      <p:sp>
+        <p:nvSpPr>
+          <p:cNvPr id="3" name="內容版面配置區 2">
+            <a:extLst>
+              <a:ext uri="{FF2B5EF4-FFF2-40B4-BE49-F238E27FC236}">
+                <a16:creationId xmlns:a16="http://schemas.microsoft.com/office/drawing/2014/main" id="{4D16898F-8F7A-4D44-92FF-E4924B2EB81A}"/>
+              </a:ext>
+            </a:extLst>
+          </p:cNvPr>
+          <p:cNvSpPr>
+            <a:spLocks noGrp="1"/>
+          </p:cNvSpPr>
+          <p:nvPr>
+            <p:ph idx="1"/>
+          </p:nvPr>
+        </p:nvSpPr>
+        <p:spPr/>
+        <p:txBody>
+          <a:bodyPr/>
+          <a:lstStyle/>
+          <a:p>
+            <a:endParaRPr lang="zh-TW" altLang="en-US"/>
+          </a:p>
+        </p:txBody>
+      </p:sp>
+    </p:spTree>
+    <p:extLst>
+      <p:ext uri="{BB962C8B-B14F-4D97-AF65-F5344CB8AC3E}">
+        <p14:creationId xmlns:p14="http://schemas.microsoft.com/office/powerpoint/2010/main" val="509341594"/>
+      </p:ext>
+    </p:extLst>
+  </p:cSld>
+  <p:clrMapOvr>
+    <a:masterClrMapping/>
+  </p:clrMapOvr>
+</p:sld>
+</file>
+
+<file path=ppt/slides/slide7.xml><?xml version="1.0" encoding="utf-8"?>
+<p:sld xmlns:a="http://schemas.openxmlformats.org/drawingml/2006/main" xmlns:r="http://schemas.openxmlformats.org/officeDocument/2006/relationships" xmlns:p="http://schemas.openxmlformats.org/presentationml/2006/main">
+  <p:cSld>
+    <p:spTree>
+      <p:nvGrpSpPr>
+        <p:cNvPr id="1" name=""/>
+        <p:cNvGrpSpPr/>
+        <p:nvPr/>
+      </p:nvGrpSpPr>
+      <p:grpSpPr>
+        <a:xfrm>
+          <a:off x="0" y="0"/>
+          <a:ext cx="0" cy="0"/>
+          <a:chOff x="0" y="0"/>
+          <a:chExt cx="0" cy="0"/>
+        </a:xfrm>
+      </p:grpSpPr>
+      <p:sp>
+        <p:nvSpPr>
+          <p:cNvPr id="2" name="標題 1">
+            <a:extLst>
+              <a:ext uri="{FF2B5EF4-FFF2-40B4-BE49-F238E27FC236}">
+                <a16:creationId xmlns:a16="http://schemas.microsoft.com/office/drawing/2014/main" id="{CB15A11D-3F1E-4FBD-81EC-43E890F9D1C4}"/>
+              </a:ext>
+            </a:extLst>
+          </p:cNvPr>
+          <p:cNvSpPr>
+            <a:spLocks noGrp="1"/>
+          </p:cNvSpPr>
+          <p:nvPr>
+            <p:ph type="title"/>
+          </p:nvPr>
+        </p:nvSpPr>
+        <p:spPr/>
+        <p:txBody>
+          <a:bodyPr/>
+          <a:lstStyle/>
+          <a:p>
+            <a:endParaRPr lang="zh-TW" altLang="en-US"/>
+          </a:p>
+        </p:txBody>
+      </p:sp>
+      <p:sp>
+        <p:nvSpPr>
+          <p:cNvPr id="3" name="內容版面配置區 2">
+            <a:extLst>
+              <a:ext uri="{FF2B5EF4-FFF2-40B4-BE49-F238E27FC236}">
+                <a16:creationId xmlns:a16="http://schemas.microsoft.com/office/drawing/2014/main" id="{B3BE2C10-9BAA-400D-B37F-AFC5CB5AFD64}"/>
+              </a:ext>
+            </a:extLst>
+          </p:cNvPr>
+          <p:cNvSpPr>
+            <a:spLocks noGrp="1"/>
+          </p:cNvSpPr>
+          <p:nvPr>
+            <p:ph idx="1"/>
+          </p:nvPr>
+        </p:nvSpPr>
+        <p:spPr/>
+        <p:txBody>
+          <a:bodyPr/>
+          <a:lstStyle/>
+          <a:p>
+            <a:endParaRPr lang="zh-TW" altLang="en-US"/>
+          </a:p>
+        </p:txBody>
+      </p:sp>
+    </p:spTree>
+    <p:extLst>
+      <p:ext uri="{BB962C8B-B14F-4D97-AF65-F5344CB8AC3E}">
+        <p14:creationId xmlns:p14="http://schemas.microsoft.com/office/powerpoint/2010/main" val="1759662890"/>
+      </p:ext>
+    </p:extLst>
+  </p:cSld>
+  <p:clrMapOvr>
+    <a:masterClrMapping/>
+  </p:clrMapOvr>
+</p:sld>
+</file>
+
+<file path=ppt/slides/slide8.xml><?xml version="1.0" encoding="utf-8"?>
+<p:sld xmlns:a="http://schemas.openxmlformats.org/drawingml/2006/main" xmlns:r="http://schemas.openxmlformats.org/officeDocument/2006/relationships" xmlns:p="http://schemas.openxmlformats.org/presentationml/2006/main">
+  <p:cSld>
+    <p:spTree>
+      <p:nvGrpSpPr>
+        <p:cNvPr id="1" name=""/>
+        <p:cNvGrpSpPr/>
+        <p:nvPr/>
+      </p:nvGrpSpPr>
+      <p:grpSpPr>
+        <a:xfrm>
+          <a:off x="0" y="0"/>
+          <a:ext cx="0" cy="0"/>
+          <a:chOff x="0" y="0"/>
+          <a:chExt cx="0" cy="0"/>
+        </a:xfrm>
+      </p:grpSpPr>
+      <p:sp>
+        <p:nvSpPr>
+          <p:cNvPr id="2" name="標題 1">
+            <a:extLst>
+              <a:ext uri="{FF2B5EF4-FFF2-40B4-BE49-F238E27FC236}">
+                <a16:creationId xmlns:a16="http://schemas.microsoft.com/office/drawing/2014/main" id="{27D87F41-FEE2-4109-9A75-96A2AA5D4A31}"/>
+              </a:ext>
+            </a:extLst>
+          </p:cNvPr>
+          <p:cNvSpPr>
+            <a:spLocks noGrp="1"/>
+          </p:cNvSpPr>
+          <p:nvPr>
+            <p:ph type="title"/>
+          </p:nvPr>
+        </p:nvSpPr>
+        <p:spPr/>
+        <p:txBody>
+          <a:bodyPr/>
+          <a:lstStyle/>
+          <a:p>
+            <a:endParaRPr lang="zh-TW" altLang="en-US"/>
+          </a:p>
+        </p:txBody>
+      </p:sp>
+      <p:sp>
+        <p:nvSpPr>
+          <p:cNvPr id="3" name="內容版面配置區 2">
+            <a:extLst>
+              <a:ext uri="{FF2B5EF4-FFF2-40B4-BE49-F238E27FC236}">
+                <a16:creationId xmlns:a16="http://schemas.microsoft.com/office/drawing/2014/main" id="{819235FB-F380-4A5E-A1E5-2144366518F5}"/>
+              </a:ext>
+            </a:extLst>
+          </p:cNvPr>
+          <p:cNvSpPr>
+            <a:spLocks noGrp="1"/>
+          </p:cNvSpPr>
+          <p:nvPr>
+            <p:ph idx="1"/>
+          </p:nvPr>
+        </p:nvSpPr>
+        <p:spPr/>
+        <p:txBody>
+          <a:bodyPr/>
+          <a:lstStyle/>
+          <a:p>
+            <a:endParaRPr lang="zh-TW" altLang="en-US"/>
+          </a:p>
+        </p:txBody>
+      </p:sp>
+    </p:spTree>
+    <p:extLst>
+      <p:ext uri="{BB962C8B-B14F-4D97-AF65-F5344CB8AC3E}">
+        <p14:creationId xmlns:p14="http://schemas.microsoft.com/office/powerpoint/2010/main" val="165875802"/>
+      </p:ext>
+    </p:extLst>
+  </p:cSld>
+  <p:clrMapOvr>
+    <a:masterClrMapping/>
+  </p:clrMapOvr>
+</p:sld>
+</file>
+
 <file path=ppt/theme/theme1.xml><?xml version="1.0" encoding="utf-8"?>
 <a:theme xmlns:a="http://schemas.openxmlformats.org/drawingml/2006/main" name="Office 佈景主題">
   <a:themeElements>

--- a/pipeline/check_mutation_position.pptx
+++ b/pipeline/check_mutation_position.pptx
@@ -266,7 +266,7 @@
           <a:p>
             <a:fld id="{1DDD57F2-AECC-4B9B-BB34-4497AEB141E5}" type="datetimeFigureOut">
               <a:rPr lang="zh-TW" altLang="en-US" smtClean="0"/>
-              <a:t>2020/12/29</a:t>
+              <a:t>2020/12/30</a:t>
             </a:fld>
             <a:endParaRPr lang="zh-TW" altLang="en-US"/>
           </a:p>
@@ -464,7 +464,7 @@
           <a:p>
             <a:fld id="{1DDD57F2-AECC-4B9B-BB34-4497AEB141E5}" type="datetimeFigureOut">
               <a:rPr lang="zh-TW" altLang="en-US" smtClean="0"/>
-              <a:t>2020/12/29</a:t>
+              <a:t>2020/12/30</a:t>
             </a:fld>
             <a:endParaRPr lang="zh-TW" altLang="en-US"/>
           </a:p>
@@ -672,7 +672,7 @@
           <a:p>
             <a:fld id="{1DDD57F2-AECC-4B9B-BB34-4497AEB141E5}" type="datetimeFigureOut">
               <a:rPr lang="zh-TW" altLang="en-US" smtClean="0"/>
-              <a:t>2020/12/29</a:t>
+              <a:t>2020/12/30</a:t>
             </a:fld>
             <a:endParaRPr lang="zh-TW" altLang="en-US"/>
           </a:p>
@@ -870,7 +870,7 @@
           <a:p>
             <a:fld id="{1DDD57F2-AECC-4B9B-BB34-4497AEB141E5}" type="datetimeFigureOut">
               <a:rPr lang="zh-TW" altLang="en-US" smtClean="0"/>
-              <a:t>2020/12/29</a:t>
+              <a:t>2020/12/30</a:t>
             </a:fld>
             <a:endParaRPr lang="zh-TW" altLang="en-US"/>
           </a:p>
@@ -1145,7 +1145,7 @@
           <a:p>
             <a:fld id="{1DDD57F2-AECC-4B9B-BB34-4497AEB141E5}" type="datetimeFigureOut">
               <a:rPr lang="zh-TW" altLang="en-US" smtClean="0"/>
-              <a:t>2020/12/29</a:t>
+              <a:t>2020/12/30</a:t>
             </a:fld>
             <a:endParaRPr lang="zh-TW" altLang="en-US"/>
           </a:p>
@@ -1410,7 +1410,7 @@
           <a:p>
             <a:fld id="{1DDD57F2-AECC-4B9B-BB34-4497AEB141E5}" type="datetimeFigureOut">
               <a:rPr lang="zh-TW" altLang="en-US" smtClean="0"/>
-              <a:t>2020/12/29</a:t>
+              <a:t>2020/12/30</a:t>
             </a:fld>
             <a:endParaRPr lang="zh-TW" altLang="en-US"/>
           </a:p>
@@ -1822,7 +1822,7 @@
           <a:p>
             <a:fld id="{1DDD57F2-AECC-4B9B-BB34-4497AEB141E5}" type="datetimeFigureOut">
               <a:rPr lang="zh-TW" altLang="en-US" smtClean="0"/>
-              <a:t>2020/12/29</a:t>
+              <a:t>2020/12/30</a:t>
             </a:fld>
             <a:endParaRPr lang="zh-TW" altLang="en-US"/>
           </a:p>
@@ -1963,7 +1963,7 @@
           <a:p>
             <a:fld id="{1DDD57F2-AECC-4B9B-BB34-4497AEB141E5}" type="datetimeFigureOut">
               <a:rPr lang="zh-TW" altLang="en-US" smtClean="0"/>
-              <a:t>2020/12/29</a:t>
+              <a:t>2020/12/30</a:t>
             </a:fld>
             <a:endParaRPr lang="zh-TW" altLang="en-US"/>
           </a:p>
@@ -2076,7 +2076,7 @@
           <a:p>
             <a:fld id="{1DDD57F2-AECC-4B9B-BB34-4497AEB141E5}" type="datetimeFigureOut">
               <a:rPr lang="zh-TW" altLang="en-US" smtClean="0"/>
-              <a:t>2020/12/29</a:t>
+              <a:t>2020/12/30</a:t>
             </a:fld>
             <a:endParaRPr lang="zh-TW" altLang="en-US"/>
           </a:p>
@@ -2387,7 +2387,7 @@
           <a:p>
             <a:fld id="{1DDD57F2-AECC-4B9B-BB34-4497AEB141E5}" type="datetimeFigureOut">
               <a:rPr lang="zh-TW" altLang="en-US" smtClean="0"/>
-              <a:t>2020/12/29</a:t>
+              <a:t>2020/12/30</a:t>
             </a:fld>
             <a:endParaRPr lang="zh-TW" altLang="en-US"/>
           </a:p>
@@ -2675,7 +2675,7 @@
           <a:p>
             <a:fld id="{1DDD57F2-AECC-4B9B-BB34-4497AEB141E5}" type="datetimeFigureOut">
               <a:rPr lang="zh-TW" altLang="en-US" smtClean="0"/>
-              <a:t>2020/12/29</a:t>
+              <a:t>2020/12/30</a:t>
             </a:fld>
             <a:endParaRPr lang="zh-TW" altLang="en-US"/>
           </a:p>
@@ -2916,7 +2916,7 @@
           <a:p>
             <a:fld id="{1DDD57F2-AECC-4B9B-BB34-4497AEB141E5}" type="datetimeFigureOut">
               <a:rPr lang="zh-TW" altLang="en-US" smtClean="0"/>
-              <a:t>2020/12/29</a:t>
+              <a:t>2020/12/30</a:t>
             </a:fld>
             <a:endParaRPr lang="zh-TW" altLang="en-US"/>
           </a:p>
@@ -6294,16 +6294,23 @@
           <a:bodyPr/>
           <a:lstStyle/>
           <a:p>
-            <a:endParaRPr lang="zh-TW" altLang="en-US" dirty="0"/>
-          </a:p>
-        </p:txBody>
-      </p:sp>
-      <p:sp>
-        <p:nvSpPr>
-          <p:cNvPr id="3" name="內容版面配置區 2">
-            <a:extLst>
-              <a:ext uri="{FF2B5EF4-FFF2-40B4-BE49-F238E27FC236}">
-                <a16:creationId xmlns:a16="http://schemas.microsoft.com/office/drawing/2014/main" id="{4D16898F-8F7A-4D44-92FF-E4924B2EB81A}"/>
+            <a:r>
+              <a:rPr lang="en-US" altLang="zh-TW" dirty="0"/>
+              <a:t>Dictionary </a:t>
+            </a:r>
+            <a:r>
+              <a:rPr lang="zh-TW" altLang="en-US" dirty="0"/>
+              <a:t>禁止產生位定義值</a:t>
+            </a:r>
+          </a:p>
+        </p:txBody>
+      </p:sp>
+      <p:sp>
+        <p:nvSpPr>
+          <p:cNvPr id="4" name="內容版面配置區 2">
+            <a:extLst>
+              <a:ext uri="{FF2B5EF4-FFF2-40B4-BE49-F238E27FC236}">
+                <a16:creationId xmlns:a16="http://schemas.microsoft.com/office/drawing/2014/main" id="{82D98F47-3D32-40C7-9DEB-8A7C7ECFE6CE}"/>
               </a:ext>
             </a:extLst>
           </p:cNvPr>
@@ -6314,12 +6321,121 @@
             <p:ph idx="1"/>
           </p:nvPr>
         </p:nvSpPr>
-        <p:spPr/>
+        <p:spPr>
+          <a:xfrm>
+            <a:off x="838200" y="1825625"/>
+            <a:ext cx="10515600" cy="4351338"/>
+          </a:xfrm>
+        </p:spPr>
         <p:txBody>
           <a:bodyPr/>
           <a:lstStyle/>
           <a:p>
-            <a:endParaRPr lang="zh-TW" altLang="en-US"/>
+            <a:r>
+              <a:rPr lang="en-US" altLang="zh-TW" dirty="0" err="1"/>
+              <a:t>dict_test</a:t>
+            </a:r>
+            <a:r>
+              <a:rPr lang="en-US" altLang="zh-TW" dirty="0"/>
+              <a:t>[</a:t>
+            </a:r>
+            <a:r>
+              <a:rPr lang="en-US" altLang="zh-TW" dirty="0" err="1"/>
+              <a:t>new_key</a:t>
+            </a:r>
+            <a:r>
+              <a:rPr lang="en-US" altLang="zh-TW" dirty="0"/>
+              <a:t>]=(</a:t>
+            </a:r>
+            <a:r>
+              <a:rPr lang="en-US" altLang="zh-TW" dirty="0" err="1"/>
+              <a:t>new_value</a:t>
+            </a:r>
+            <a:r>
+              <a:rPr lang="en-US" altLang="zh-TW" dirty="0"/>
+              <a:t>)</a:t>
+            </a:r>
+          </a:p>
+          <a:p>
+            <a:endParaRPr lang="en-US" altLang="zh-TW" dirty="0"/>
+          </a:p>
+          <a:p>
+            <a:r>
+              <a:rPr lang="en-US" altLang="zh-TW" dirty="0"/>
+              <a:t>try:</a:t>
+            </a:r>
+          </a:p>
+          <a:p>
+            <a:pPr lvl="1"/>
+            <a:r>
+              <a:rPr lang="en-US" altLang="zh-TW" dirty="0" err="1"/>
+              <a:t>dict_test</a:t>
+            </a:r>
+            <a:r>
+              <a:rPr lang="en-US" altLang="zh-TW" dirty="0"/>
+              <a:t>[</a:t>
+            </a:r>
+            <a:r>
+              <a:rPr lang="en-US" altLang="zh-TW" dirty="0" err="1"/>
+              <a:t>new_key</a:t>
+            </a:r>
+            <a:r>
+              <a:rPr lang="en-US" altLang="zh-TW" dirty="0"/>
+              <a:t>]=(</a:t>
+            </a:r>
+            <a:r>
+              <a:rPr lang="en-US" altLang="zh-TW" dirty="0" err="1"/>
+              <a:t>new_value</a:t>
+            </a:r>
+            <a:r>
+              <a:rPr lang="en-US" altLang="zh-TW" dirty="0"/>
+              <a:t>)</a:t>
+            </a:r>
+          </a:p>
+          <a:p>
+            <a:r>
+              <a:rPr lang="en-US" altLang="zh-TW" dirty="0"/>
+              <a:t>except </a:t>
+            </a:r>
+            <a:r>
+              <a:rPr lang="en-US" altLang="zh-TW" dirty="0" err="1"/>
+              <a:t>KeyError</a:t>
+            </a:r>
+            <a:r>
+              <a:rPr lang="en-US" altLang="zh-TW" dirty="0"/>
+              <a:t>:</a:t>
+            </a:r>
+          </a:p>
+          <a:p>
+            <a:pPr lvl="1"/>
+            <a:r>
+              <a:rPr lang="en-US" altLang="zh-TW" dirty="0" err="1"/>
+              <a:t>dict_test</a:t>
+            </a:r>
+            <a:r>
+              <a:rPr lang="en-US" altLang="zh-TW" dirty="0"/>
+              <a:t>[</a:t>
+            </a:r>
+            <a:r>
+              <a:rPr lang="en-US" altLang="zh-TW" dirty="0" err="1"/>
+              <a:t>new_key</a:t>
+            </a:r>
+            <a:r>
+              <a:rPr lang="en-US" altLang="zh-TW" dirty="0"/>
+              <a:t>]=(</a:t>
+            </a:r>
+            <a:r>
+              <a:rPr lang="en-US" altLang="zh-TW" dirty="0" err="1"/>
+              <a:t>new_value</a:t>
+            </a:r>
+            <a:r>
+              <a:rPr lang="en-US" altLang="zh-TW" dirty="0"/>
+              <a:t>)</a:t>
+            </a:r>
+          </a:p>
+          <a:p>
+            <a:pPr lvl="1"/>
+            <a:endParaRPr lang="zh-TW" altLang="en-US" dirty="0"/>
           </a:p>
         </p:txBody>
       </p:sp>
